--- a/Projectpresentation/ASEppt.pptx
+++ b/Projectpresentation/ASEppt.pptx
@@ -109,7 +109,16 @@
       </a:defRPr>
     </a:lvl9pPr>
   </p:defaultTextStyle>
+  <p:extLst>
+    <p:ext uri="{EFAFB233-063F-42B5-8137-9DF3F51BA10A}">
+      <p15:sldGuideLst xmlns:p15="http://schemas.microsoft.com/office/powerpoint/2012/main"/>
+    </p:ext>
+  </p:extLst>
 </p:presentation>
+</file>
+
+<file path=ppt/revisionInfo.xml><?xml version="1.0" encoding="utf-8"?>
+<p1510:revInfo xmlns:a="http://schemas.openxmlformats.org/drawingml/2006/main" xmlns:r="http://schemas.openxmlformats.org/officeDocument/2006/relationships" xmlns:p1510="http://schemas.microsoft.com/office/powerpoint/2015/10/main"/>
 </file>
 
 <file path=ppt/slideLayouts/slideLayout1.xml><?xml version="1.0" encoding="utf-8"?>
@@ -241,7 +250,7 @@
           <a:p>
             <a:fld id="{6B572F6D-10B9-410F-9A97-0D82CB192D50}" type="datetimeFigureOut">
               <a:rPr lang="en-US" smtClean="0"/>
-              <a:t>5/1/2017</a:t>
+              <a:t>5/3/2017</a:t>
             </a:fld>
             <a:endParaRPr lang="en-US"/>
           </a:p>
@@ -414,7 +423,7 @@
           <a:p>
             <a:fld id="{6B572F6D-10B9-410F-9A97-0D82CB192D50}" type="datetimeFigureOut">
               <a:rPr lang="en-US" smtClean="0"/>
-              <a:t>5/1/2017</a:t>
+              <a:t>5/3/2017</a:t>
             </a:fld>
             <a:endParaRPr lang="en-US"/>
           </a:p>
@@ -592,7 +601,7 @@
           <a:p>
             <a:fld id="{6B572F6D-10B9-410F-9A97-0D82CB192D50}" type="datetimeFigureOut">
               <a:rPr lang="en-US" smtClean="0"/>
-              <a:t>5/1/2017</a:t>
+              <a:t>5/3/2017</a:t>
             </a:fld>
             <a:endParaRPr lang="en-US"/>
           </a:p>
@@ -765,7 +774,7 @@
           <a:p>
             <a:fld id="{6B572F6D-10B9-410F-9A97-0D82CB192D50}" type="datetimeFigureOut">
               <a:rPr lang="en-US" smtClean="0"/>
-              <a:t>5/1/2017</a:t>
+              <a:t>5/3/2017</a:t>
             </a:fld>
             <a:endParaRPr lang="en-US"/>
           </a:p>
@@ -1010,7 +1019,7 @@
           <a:p>
             <a:fld id="{6B572F6D-10B9-410F-9A97-0D82CB192D50}" type="datetimeFigureOut">
               <a:rPr lang="en-US" smtClean="0"/>
-              <a:t>5/1/2017</a:t>
+              <a:t>5/3/2017</a:t>
             </a:fld>
             <a:endParaRPr lang="en-US"/>
           </a:p>
@@ -1244,7 +1253,7 @@
           <a:p>
             <a:fld id="{6B572F6D-10B9-410F-9A97-0D82CB192D50}" type="datetimeFigureOut">
               <a:rPr lang="en-US" smtClean="0"/>
-              <a:t>5/1/2017</a:t>
+              <a:t>5/3/2017</a:t>
             </a:fld>
             <a:endParaRPr lang="en-US"/>
           </a:p>
@@ -1608,7 +1617,7 @@
           <a:p>
             <a:fld id="{6B572F6D-10B9-410F-9A97-0D82CB192D50}" type="datetimeFigureOut">
               <a:rPr lang="en-US" smtClean="0"/>
-              <a:t>5/1/2017</a:t>
+              <a:t>5/3/2017</a:t>
             </a:fld>
             <a:endParaRPr lang="en-US"/>
           </a:p>
@@ -1725,7 +1734,7 @@
           <a:p>
             <a:fld id="{6B572F6D-10B9-410F-9A97-0D82CB192D50}" type="datetimeFigureOut">
               <a:rPr lang="en-US" smtClean="0"/>
-              <a:t>5/1/2017</a:t>
+              <a:t>5/3/2017</a:t>
             </a:fld>
             <a:endParaRPr lang="en-US"/>
           </a:p>
@@ -1820,7 +1829,7 @@
           <a:p>
             <a:fld id="{6B572F6D-10B9-410F-9A97-0D82CB192D50}" type="datetimeFigureOut">
               <a:rPr lang="en-US" smtClean="0"/>
-              <a:t>5/1/2017</a:t>
+              <a:t>5/3/2017</a:t>
             </a:fld>
             <a:endParaRPr lang="en-US"/>
           </a:p>
@@ -2095,7 +2104,7 @@
           <a:p>
             <a:fld id="{6B572F6D-10B9-410F-9A97-0D82CB192D50}" type="datetimeFigureOut">
               <a:rPr lang="en-US" smtClean="0"/>
-              <a:t>5/1/2017</a:t>
+              <a:t>5/3/2017</a:t>
             </a:fld>
             <a:endParaRPr lang="en-US"/>
           </a:p>
@@ -2347,7 +2356,7 @@
           <a:p>
             <a:fld id="{6B572F6D-10B9-410F-9A97-0D82CB192D50}" type="datetimeFigureOut">
               <a:rPr lang="en-US" smtClean="0"/>
-              <a:t>5/1/2017</a:t>
+              <a:t>5/3/2017</a:t>
             </a:fld>
             <a:endParaRPr lang="en-US"/>
           </a:p>
@@ -2558,7 +2567,7 @@
           <a:p>
             <a:fld id="{6B572F6D-10B9-410F-9A97-0D82CB192D50}" type="datetimeFigureOut">
               <a:rPr lang="en-US" smtClean="0"/>
-              <a:t>5/1/2017</a:t>
+              <a:t>5/3/2017</a:t>
             </a:fld>
             <a:endParaRPr lang="en-US"/>
           </a:p>
@@ -3695,28 +3704,28 @@
             <a:pPr lvl="0"/>
             <a:r>
               <a:rPr lang="en-US" dirty="0"/>
-              <a:t>In traditional file explorer system, there was no such security for the uploaded data.</a:t>
+              <a:t>In traditional file explorer system, there is no security for the uploaded data.</a:t>
             </a:r>
           </a:p>
           <a:p>
             <a:pPr lvl="0"/>
             <a:r>
               <a:rPr lang="en-US" dirty="0"/>
-              <a:t>The files were not categorized, which may lead to unstructured data.</a:t>
+              <a:t>The files are not categorized, which leads to unstructured data.</a:t>
             </a:r>
           </a:p>
           <a:p>
             <a:pPr lvl="0"/>
             <a:r>
               <a:rPr lang="en-US" dirty="0"/>
-              <a:t>Data duplication may also exist which increases the disk size which may lead to slow the outcome process.</a:t>
+              <a:t>Data duplication may exist which increases the disk size </a:t>
             </a:r>
           </a:p>
           <a:p>
             <a:pPr lvl="0"/>
             <a:r>
               <a:rPr lang="en-US" dirty="0"/>
-              <a:t>No file search over voice command.</a:t>
+              <a:t>Files cannot be searched using voice command.</a:t>
             </a:r>
           </a:p>
           <a:p>
@@ -3858,12 +3867,52 @@
             <p:ph idx="1"/>
           </p:nvPr>
         </p:nvSpPr>
-        <p:spPr/>
-        <p:txBody>
-          <a:bodyPr/>
-          <a:lstStyle/>
-          <a:p>
-            <a:endParaRPr lang="en-US"/>
+        <p:spPr>
+          <a:xfrm>
+            <a:off x="1234126" y="2592370"/>
+            <a:ext cx="10515600" cy="3103825"/>
+          </a:xfrm>
+        </p:spPr>
+        <p:txBody>
+          <a:bodyPr/>
+          <a:lstStyle/>
+          <a:p>
+            <a:pPr lvl="0"/>
+            <a:r>
+              <a:rPr lang="en-US" dirty="0"/>
+              <a:t>The user data is stored in the database</a:t>
+            </a:r>
+          </a:p>
+          <a:p>
+            <a:pPr lvl="0"/>
+            <a:r>
+              <a:rPr lang="en-US" dirty="0"/>
+              <a:t>The application keeps the user files safe and secured.</a:t>
+            </a:r>
+          </a:p>
+          <a:p>
+            <a:pPr lvl="0"/>
+            <a:r>
+              <a:rPr lang="en-US" dirty="0"/>
+              <a:t>Application allows user to search a file over voice command.</a:t>
+            </a:r>
+          </a:p>
+          <a:p>
+            <a:pPr lvl="0"/>
+            <a:r>
+              <a:rPr lang="en-US" dirty="0"/>
+              <a:t>Maintains the files in a categorized and in a structured manner.</a:t>
+            </a:r>
+          </a:p>
+          <a:p>
+            <a:pPr lvl="0"/>
+            <a:r>
+              <a:rPr lang="en-US" dirty="0"/>
+              <a:t>It avoids the data duplication which prevents re-writing the similar file.</a:t>
+            </a:r>
+          </a:p>
+          <a:p>
+            <a:endParaRPr lang="en-US" dirty="0"/>
           </a:p>
         </p:txBody>
       </p:sp>
@@ -3875,7 +3924,7 @@
         </p:nvSpPr>
         <p:spPr>
           <a:xfrm>
-            <a:off x="4149794" y="698435"/>
+            <a:off x="4196928" y="1207483"/>
             <a:ext cx="3892412" cy="923330"/>
           </a:xfrm>
           <a:prstGeom prst="rect">
@@ -3994,14 +4043,19 @@
         <p:spPr>
           <a:xfrm>
             <a:off x="1045590" y="3767547"/>
-            <a:ext cx="10515600" cy="1058977"/>
+            <a:ext cx="10515600" cy="634771"/>
           </a:xfrm>
         </p:spPr>
         <p:txBody>
           <a:bodyPr/>
           <a:lstStyle/>
           <a:p>
-            <a:endParaRPr lang="en-US"/>
+            <a:pPr algn="ctr"/>
+            <a:r>
+              <a:rPr lang="en-US" u="sng" dirty="0"/>
+              <a:t>https://youtu.be/vqLV-dYMPfM</a:t>
+            </a:r>
+            <a:endParaRPr lang="en-US" dirty="0"/>
           </a:p>
         </p:txBody>
       </p:sp>
@@ -4013,7 +4067,7 @@
         </p:nvSpPr>
         <p:spPr>
           <a:xfrm>
-            <a:off x="5181518" y="2109495"/>
+            <a:off x="5407761" y="2222617"/>
             <a:ext cx="1810111" cy="923330"/>
           </a:xfrm>
           <a:prstGeom prst="rect">
